--- a/Real Estate price prediction.pptx
+++ b/Real Estate price prediction.pptx
@@ -11,6 +11,18 @@
     <p:sldId id="260" r:id="rId5"/>
     <p:sldId id="259" r:id="rId6"/>
     <p:sldId id="261" r:id="rId7"/>
+    <p:sldId id="264" r:id="rId8"/>
+    <p:sldId id="262" r:id="rId9"/>
+    <p:sldId id="267" r:id="rId10"/>
+    <p:sldId id="266" r:id="rId11"/>
+    <p:sldId id="265" r:id="rId12"/>
+    <p:sldId id="263" r:id="rId13"/>
+    <p:sldId id="268" r:id="rId14"/>
+    <p:sldId id="269" r:id="rId15"/>
+    <p:sldId id="270" r:id="rId16"/>
+    <p:sldId id="271" r:id="rId17"/>
+    <p:sldId id="272" r:id="rId18"/>
+    <p:sldId id="273" r:id="rId19"/>
   </p:sldIdLst>
   <p:sldSz cx="12192000" cy="6858000"/>
   <p:notesSz cx="12192000" cy="6858000"/>
@@ -273,7 +285,7 @@
           <a:p>
             <a:fld id="{1D8BD707-D9CF-40AE-B4C6-C98DA3205C09}" type="datetimeFigureOut">
               <a:rPr lang="en-US"/>
-              <a:t>6/10/2020</a:t>
+              <a:t>7/12/2020</a:t>
             </a:fld>
             <a:endParaRPr lang="en-US"/>
           </a:p>
@@ -448,7 +460,7 @@
           <a:p>
             <a:fld id="{1D8BD707-D9CF-40AE-B4C6-C98DA3205C09}" type="datetimeFigureOut">
               <a:rPr lang="en-US"/>
-              <a:t>6/10/2020</a:t>
+              <a:t>7/12/2020</a:t>
             </a:fld>
             <a:endParaRPr lang="en-US"/>
           </a:p>
@@ -662,7 +674,7 @@
           <a:p>
             <a:fld id="{1D8BD707-D9CF-40AE-B4C6-C98DA3205C09}" type="datetimeFigureOut">
               <a:rPr lang="en-US"/>
-              <a:t>6/10/2020</a:t>
+              <a:t>7/12/2020</a:t>
             </a:fld>
             <a:endParaRPr lang="en-US"/>
           </a:p>
@@ -810,7 +822,7 @@
           <a:p>
             <a:fld id="{1D8BD707-D9CF-40AE-B4C6-C98DA3205C09}" type="datetimeFigureOut">
               <a:rPr lang="en-US"/>
-              <a:t>6/10/2020</a:t>
+              <a:t>7/12/2020</a:t>
             </a:fld>
             <a:endParaRPr lang="en-US"/>
           </a:p>
@@ -929,7 +941,7 @@
           <a:p>
             <a:fld id="{1D8BD707-D9CF-40AE-B4C6-C98DA3205C09}" type="datetimeFigureOut">
               <a:rPr lang="en-US"/>
-              <a:t>6/10/2020</a:t>
+              <a:t>7/12/2020</a:t>
             </a:fld>
             <a:endParaRPr lang="en-US"/>
           </a:p>
@@ -1254,7 +1266,7 @@
           <a:p>
             <a:fld id="{1D8BD707-D9CF-40AE-B4C6-C98DA3205C09}" type="datetimeFigureOut">
               <a:rPr lang="en-US"/>
-              <a:t>6/10/2020</a:t>
+              <a:t>7/12/2020</a:t>
             </a:fld>
             <a:endParaRPr lang="en-US"/>
           </a:p>
@@ -1725,6 +1737,1327 @@
 </p:sld>
 </file>
 
+<file path=ppt/slides/slide10.xml><?xml version="1.0" encoding="utf-8"?>
+<p:sld xmlns:a="http://schemas.openxmlformats.org/drawingml/2006/main" xmlns:r="http://schemas.openxmlformats.org/officeDocument/2006/relationships" xmlns:p="http://schemas.openxmlformats.org/presentationml/2006/main">
+  <p:cSld>
+    <p:spTree>
+      <p:nvGrpSpPr>
+        <p:cNvPr id="1" name=""/>
+        <p:cNvGrpSpPr/>
+        <p:nvPr/>
+      </p:nvGrpSpPr>
+      <p:grpSpPr>
+        <a:xfrm>
+          <a:off x="0" y="0"/>
+          <a:ext cx="0" cy="0"/>
+          <a:chOff x="0" y="0"/>
+          <a:chExt cx="0" cy="0"/>
+        </a:xfrm>
+      </p:grpSpPr>
+      <p:sp>
+        <p:nvSpPr>
+          <p:cNvPr id="2" name="Title 1">
+            <a:extLst>
+              <a:ext uri="{FF2B5EF4-FFF2-40B4-BE49-F238E27FC236}">
+                <a16:creationId xmlns:a16="http://schemas.microsoft.com/office/drawing/2014/main" id="{7D016F4D-89A3-4252-8C6A-513D3D51B060}"/>
+              </a:ext>
+            </a:extLst>
+          </p:cNvPr>
+          <p:cNvSpPr>
+            <a:spLocks noGrp="1"/>
+          </p:cNvSpPr>
+          <p:nvPr>
+            <p:ph type="title"/>
+          </p:nvPr>
+        </p:nvSpPr>
+        <p:spPr>
+          <a:xfrm>
+            <a:off x="3962400" y="5547067"/>
+            <a:ext cx="7163308" cy="738664"/>
+          </a:xfrm>
+        </p:spPr>
+        <p:txBody>
+          <a:bodyPr/>
+          <a:lstStyle/>
+          <a:p>
+            <a:r>
+              <a:rPr lang="en-US" b="0" u="none" dirty="0"/>
+              <a:t>"No of stores is less if the distance from Metro station is more from house"</a:t>
+            </a:r>
+          </a:p>
+        </p:txBody>
+      </p:sp>
+      <p:sp>
+        <p:nvSpPr>
+          <p:cNvPr id="3" name="Text Placeholder 2">
+            <a:extLst>
+              <a:ext uri="{FF2B5EF4-FFF2-40B4-BE49-F238E27FC236}">
+                <a16:creationId xmlns:a16="http://schemas.microsoft.com/office/drawing/2014/main" id="{7AD232C9-EBE8-48EC-9AE9-B1C3900DA064}"/>
+              </a:ext>
+            </a:extLst>
+          </p:cNvPr>
+          <p:cNvSpPr>
+            <a:spLocks noGrp="1"/>
+          </p:cNvSpPr>
+          <p:nvPr>
+            <p:ph type="body" idx="1"/>
+          </p:nvPr>
+        </p:nvSpPr>
+        <p:spPr>
+          <a:xfrm>
+            <a:off x="304800" y="1828800"/>
+            <a:ext cx="2743200" cy="2393604"/>
+          </a:xfrm>
+        </p:spPr>
+        <p:txBody>
+          <a:bodyPr vert="horz" wrap="square" lIns="0" tIns="84455" rIns="0" bIns="0" rtlCol="0">
+            <a:spAutoFit/>
+          </a:bodyPr>
+          <a:lstStyle/>
+          <a:p>
+            <a:pPr marL="12700" marR="5080" algn="l" rtl="0">
+              <a:lnSpc>
+                <a:spcPts val="4540"/>
+              </a:lnSpc>
+              <a:spcBef>
+                <a:spcPts val="665"/>
+              </a:spcBef>
+            </a:pPr>
+            <a:r>
+              <a:rPr lang="en-US" sz="4400" kern="1200" spc="-55" dirty="0">
+                <a:solidFill>
+                  <a:srgbClr val="FFFFFF"/>
+                </a:solidFill>
+                <a:latin typeface="Corbel"/>
+              </a:rPr>
+              <a:t>EXPLORA-TORY DATA ANALYSIS</a:t>
+            </a:r>
+          </a:p>
+        </p:txBody>
+      </p:sp>
+      <p:pic>
+        <p:nvPicPr>
+          <p:cNvPr id="4" name="Picture 3">
+            <a:extLst>
+              <a:ext uri="{FF2B5EF4-FFF2-40B4-BE49-F238E27FC236}">
+                <a16:creationId xmlns:a16="http://schemas.microsoft.com/office/drawing/2014/main" id="{FD34AE00-CE46-4FD0-869B-8C52C4493777}"/>
+              </a:ext>
+            </a:extLst>
+          </p:cNvPr>
+          <p:cNvPicPr>
+            <a:picLocks noChangeAspect="1"/>
+          </p:cNvPicPr>
+          <p:nvPr/>
+        </p:nvPicPr>
+        <p:blipFill>
+          <a:blip r:embed="rId2"/>
+          <a:stretch>
+            <a:fillRect/>
+          </a:stretch>
+        </p:blipFill>
+        <p:spPr>
+          <a:xfrm>
+            <a:off x="4419600" y="838200"/>
+            <a:ext cx="6019800" cy="4321812"/>
+          </a:xfrm>
+          <a:prstGeom prst="rect">
+            <a:avLst/>
+          </a:prstGeom>
+        </p:spPr>
+      </p:pic>
+    </p:spTree>
+    <p:extLst>
+      <p:ext uri="{BB962C8B-B14F-4D97-AF65-F5344CB8AC3E}">
+        <p14:creationId xmlns:p14="http://schemas.microsoft.com/office/powerpoint/2010/main" val="1334925385"/>
+      </p:ext>
+    </p:extLst>
+  </p:cSld>
+  <p:clrMapOvr>
+    <a:masterClrMapping/>
+  </p:clrMapOvr>
+</p:sld>
+</file>
+
+<file path=ppt/slides/slide11.xml><?xml version="1.0" encoding="utf-8"?>
+<p:sld xmlns:a="http://schemas.openxmlformats.org/drawingml/2006/main" xmlns:r="http://schemas.openxmlformats.org/officeDocument/2006/relationships" xmlns:p="http://schemas.openxmlformats.org/presentationml/2006/main">
+  <p:cSld>
+    <p:spTree>
+      <p:nvGrpSpPr>
+        <p:cNvPr id="1" name=""/>
+        <p:cNvGrpSpPr/>
+        <p:nvPr/>
+      </p:nvGrpSpPr>
+      <p:grpSpPr>
+        <a:xfrm>
+          <a:off x="0" y="0"/>
+          <a:ext cx="0" cy="0"/>
+          <a:chOff x="0" y="0"/>
+          <a:chExt cx="0" cy="0"/>
+        </a:xfrm>
+      </p:grpSpPr>
+      <p:sp>
+        <p:nvSpPr>
+          <p:cNvPr id="2" name="Title 1">
+            <a:extLst>
+              <a:ext uri="{FF2B5EF4-FFF2-40B4-BE49-F238E27FC236}">
+                <a16:creationId xmlns:a16="http://schemas.microsoft.com/office/drawing/2014/main" id="{7D016F4D-89A3-4252-8C6A-513D3D51B060}"/>
+              </a:ext>
+            </a:extLst>
+          </p:cNvPr>
+          <p:cNvSpPr>
+            <a:spLocks noGrp="1"/>
+          </p:cNvSpPr>
+          <p:nvPr>
+            <p:ph type="title"/>
+          </p:nvPr>
+        </p:nvSpPr>
+        <p:spPr>
+          <a:xfrm>
+            <a:off x="3962400" y="5547067"/>
+            <a:ext cx="7163308" cy="738664"/>
+          </a:xfrm>
+        </p:spPr>
+        <p:txBody>
+          <a:bodyPr/>
+          <a:lstStyle/>
+          <a:p>
+            <a:r>
+              <a:rPr lang="en-US" b="0" u="none" dirty="0"/>
+              <a:t> As the distance from Metro station increases the price of the house decreases.</a:t>
+            </a:r>
+          </a:p>
+        </p:txBody>
+      </p:sp>
+      <p:sp>
+        <p:nvSpPr>
+          <p:cNvPr id="3" name="Text Placeholder 2">
+            <a:extLst>
+              <a:ext uri="{FF2B5EF4-FFF2-40B4-BE49-F238E27FC236}">
+                <a16:creationId xmlns:a16="http://schemas.microsoft.com/office/drawing/2014/main" id="{7AD232C9-EBE8-48EC-9AE9-B1C3900DA064}"/>
+              </a:ext>
+            </a:extLst>
+          </p:cNvPr>
+          <p:cNvSpPr>
+            <a:spLocks noGrp="1"/>
+          </p:cNvSpPr>
+          <p:nvPr>
+            <p:ph type="body" idx="1"/>
+          </p:nvPr>
+        </p:nvSpPr>
+        <p:spPr>
+          <a:xfrm>
+            <a:off x="304800" y="1828800"/>
+            <a:ext cx="2743200" cy="2393604"/>
+          </a:xfrm>
+        </p:spPr>
+        <p:txBody>
+          <a:bodyPr vert="horz" wrap="square" lIns="0" tIns="84455" rIns="0" bIns="0" rtlCol="0">
+            <a:spAutoFit/>
+          </a:bodyPr>
+          <a:lstStyle/>
+          <a:p>
+            <a:pPr marL="12700" marR="5080" algn="l" rtl="0">
+              <a:lnSpc>
+                <a:spcPts val="4540"/>
+              </a:lnSpc>
+              <a:spcBef>
+                <a:spcPts val="665"/>
+              </a:spcBef>
+            </a:pPr>
+            <a:r>
+              <a:rPr lang="en-US" sz="4400" kern="1200" spc="-55" dirty="0">
+                <a:solidFill>
+                  <a:srgbClr val="FFFFFF"/>
+                </a:solidFill>
+                <a:latin typeface="Corbel"/>
+              </a:rPr>
+              <a:t>EXPLORA-TORY DATA ANALYSIS</a:t>
+            </a:r>
+          </a:p>
+        </p:txBody>
+      </p:sp>
+      <p:pic>
+        <p:nvPicPr>
+          <p:cNvPr id="4" name="Picture 3">
+            <a:extLst>
+              <a:ext uri="{FF2B5EF4-FFF2-40B4-BE49-F238E27FC236}">
+                <a16:creationId xmlns:a16="http://schemas.microsoft.com/office/drawing/2014/main" id="{5E862DEF-8403-4381-B14A-FBD77100C661}"/>
+              </a:ext>
+            </a:extLst>
+          </p:cNvPr>
+          <p:cNvPicPr>
+            <a:picLocks noChangeAspect="1"/>
+          </p:cNvPicPr>
+          <p:nvPr/>
+        </p:nvPicPr>
+        <p:blipFill>
+          <a:blip r:embed="rId2"/>
+          <a:stretch>
+            <a:fillRect/>
+          </a:stretch>
+        </p:blipFill>
+        <p:spPr>
+          <a:xfrm>
+            <a:off x="4648200" y="609600"/>
+            <a:ext cx="5462588" cy="4500562"/>
+          </a:xfrm>
+          <a:prstGeom prst="rect">
+            <a:avLst/>
+          </a:prstGeom>
+        </p:spPr>
+      </p:pic>
+    </p:spTree>
+    <p:extLst>
+      <p:ext uri="{BB962C8B-B14F-4D97-AF65-F5344CB8AC3E}">
+        <p14:creationId xmlns:p14="http://schemas.microsoft.com/office/powerpoint/2010/main" val="3702384471"/>
+      </p:ext>
+    </p:extLst>
+  </p:cSld>
+  <p:clrMapOvr>
+    <a:masterClrMapping/>
+  </p:clrMapOvr>
+</p:sld>
+</file>
+
+<file path=ppt/slides/slide12.xml><?xml version="1.0" encoding="utf-8"?>
+<p:sld xmlns:a="http://schemas.openxmlformats.org/drawingml/2006/main" xmlns:r="http://schemas.openxmlformats.org/officeDocument/2006/relationships" xmlns:p="http://schemas.openxmlformats.org/presentationml/2006/main">
+  <p:cSld>
+    <p:spTree>
+      <p:nvGrpSpPr>
+        <p:cNvPr id="1" name=""/>
+        <p:cNvGrpSpPr/>
+        <p:nvPr/>
+      </p:nvGrpSpPr>
+      <p:grpSpPr>
+        <a:xfrm>
+          <a:off x="0" y="0"/>
+          <a:ext cx="0" cy="0"/>
+          <a:chOff x="0" y="0"/>
+          <a:chExt cx="0" cy="0"/>
+        </a:xfrm>
+      </p:grpSpPr>
+      <p:sp>
+        <p:nvSpPr>
+          <p:cNvPr id="2" name="Title 1">
+            <a:extLst>
+              <a:ext uri="{FF2B5EF4-FFF2-40B4-BE49-F238E27FC236}">
+                <a16:creationId xmlns:a16="http://schemas.microsoft.com/office/drawing/2014/main" id="{7D016F4D-89A3-4252-8C6A-513D3D51B060}"/>
+              </a:ext>
+            </a:extLst>
+          </p:cNvPr>
+          <p:cNvSpPr>
+            <a:spLocks noGrp="1"/>
+          </p:cNvSpPr>
+          <p:nvPr>
+            <p:ph type="title"/>
+          </p:nvPr>
+        </p:nvSpPr>
+        <p:spPr>
+          <a:xfrm>
+            <a:off x="3962400" y="5547067"/>
+            <a:ext cx="7163308" cy="738664"/>
+          </a:xfrm>
+        </p:spPr>
+        <p:txBody>
+          <a:bodyPr/>
+          <a:lstStyle/>
+          <a:p>
+            <a:r>
+              <a:rPr lang="en-US" b="0" u="none"/>
+              <a:t>"The price is more where the no. of store are more and price value is less where there is less no.of stores"</a:t>
+            </a:r>
+            <a:endParaRPr lang="en-US" b="0" u="none" dirty="0"/>
+          </a:p>
+        </p:txBody>
+      </p:sp>
+      <p:sp>
+        <p:nvSpPr>
+          <p:cNvPr id="3" name="Text Placeholder 2">
+            <a:extLst>
+              <a:ext uri="{FF2B5EF4-FFF2-40B4-BE49-F238E27FC236}">
+                <a16:creationId xmlns:a16="http://schemas.microsoft.com/office/drawing/2014/main" id="{7AD232C9-EBE8-48EC-9AE9-B1C3900DA064}"/>
+              </a:ext>
+            </a:extLst>
+          </p:cNvPr>
+          <p:cNvSpPr>
+            <a:spLocks noGrp="1"/>
+          </p:cNvSpPr>
+          <p:nvPr>
+            <p:ph type="body" idx="1"/>
+          </p:nvPr>
+        </p:nvSpPr>
+        <p:spPr>
+          <a:xfrm>
+            <a:off x="304800" y="1828800"/>
+            <a:ext cx="2743200" cy="2393604"/>
+          </a:xfrm>
+        </p:spPr>
+        <p:txBody>
+          <a:bodyPr vert="horz" wrap="square" lIns="0" tIns="84455" rIns="0" bIns="0" rtlCol="0">
+            <a:spAutoFit/>
+          </a:bodyPr>
+          <a:lstStyle/>
+          <a:p>
+            <a:pPr marL="12700" marR="5080" algn="l" rtl="0">
+              <a:lnSpc>
+                <a:spcPts val="4540"/>
+              </a:lnSpc>
+              <a:spcBef>
+                <a:spcPts val="665"/>
+              </a:spcBef>
+            </a:pPr>
+            <a:r>
+              <a:rPr lang="en-US" sz="4400" kern="1200" spc="-55" dirty="0">
+                <a:solidFill>
+                  <a:srgbClr val="FFFFFF"/>
+                </a:solidFill>
+                <a:latin typeface="Corbel"/>
+              </a:rPr>
+              <a:t>EXPLORA-TORY DATA ANALYSIS</a:t>
+            </a:r>
+          </a:p>
+        </p:txBody>
+      </p:sp>
+      <p:pic>
+        <p:nvPicPr>
+          <p:cNvPr id="4" name="Picture 3">
+            <a:extLst>
+              <a:ext uri="{FF2B5EF4-FFF2-40B4-BE49-F238E27FC236}">
+                <a16:creationId xmlns:a16="http://schemas.microsoft.com/office/drawing/2014/main" id="{8517F2B7-5AB3-4CA5-A9A9-E2AD7BA84A7F}"/>
+              </a:ext>
+            </a:extLst>
+          </p:cNvPr>
+          <p:cNvPicPr>
+            <a:picLocks noChangeAspect="1"/>
+          </p:cNvPicPr>
+          <p:nvPr/>
+        </p:nvPicPr>
+        <p:blipFill>
+          <a:blip r:embed="rId2"/>
+          <a:stretch>
+            <a:fillRect/>
+          </a:stretch>
+        </p:blipFill>
+        <p:spPr>
+          <a:xfrm>
+            <a:off x="4357687" y="762000"/>
+            <a:ext cx="5929313" cy="4572000"/>
+          </a:xfrm>
+          <a:prstGeom prst="rect">
+            <a:avLst/>
+          </a:prstGeom>
+        </p:spPr>
+      </p:pic>
+    </p:spTree>
+    <p:extLst>
+      <p:ext uri="{BB962C8B-B14F-4D97-AF65-F5344CB8AC3E}">
+        <p14:creationId xmlns:p14="http://schemas.microsoft.com/office/powerpoint/2010/main" val="2686242656"/>
+      </p:ext>
+    </p:extLst>
+  </p:cSld>
+  <p:clrMapOvr>
+    <a:masterClrMapping/>
+  </p:clrMapOvr>
+</p:sld>
+</file>
+
+<file path=ppt/slides/slide13.xml><?xml version="1.0" encoding="utf-8"?>
+<p:sld xmlns:a="http://schemas.openxmlformats.org/drawingml/2006/main" xmlns:r="http://schemas.openxmlformats.org/officeDocument/2006/relationships" xmlns:p="http://schemas.openxmlformats.org/presentationml/2006/main">
+  <p:cSld>
+    <p:spTree>
+      <p:nvGrpSpPr>
+        <p:cNvPr id="1" name=""/>
+        <p:cNvGrpSpPr/>
+        <p:nvPr/>
+      </p:nvGrpSpPr>
+      <p:grpSpPr>
+        <a:xfrm>
+          <a:off x="0" y="0"/>
+          <a:ext cx="0" cy="0"/>
+          <a:chOff x="0" y="0"/>
+          <a:chExt cx="0" cy="0"/>
+        </a:xfrm>
+      </p:grpSpPr>
+      <p:sp>
+        <p:nvSpPr>
+          <p:cNvPr id="2" name="Title 1">
+            <a:extLst>
+              <a:ext uri="{FF2B5EF4-FFF2-40B4-BE49-F238E27FC236}">
+                <a16:creationId xmlns:a16="http://schemas.microsoft.com/office/drawing/2014/main" id="{7D016F4D-89A3-4252-8C6A-513D3D51B060}"/>
+              </a:ext>
+            </a:extLst>
+          </p:cNvPr>
+          <p:cNvSpPr>
+            <a:spLocks noGrp="1"/>
+          </p:cNvSpPr>
+          <p:nvPr>
+            <p:ph type="title"/>
+          </p:nvPr>
+        </p:nvSpPr>
+        <p:spPr>
+          <a:xfrm>
+            <a:off x="3962400" y="5547067"/>
+            <a:ext cx="7163308" cy="738664"/>
+          </a:xfrm>
+        </p:spPr>
+        <p:txBody>
+          <a:bodyPr/>
+          <a:lstStyle/>
+          <a:p>
+            <a:r>
+              <a:rPr lang="en-US" b="0" u="none" dirty="0"/>
+              <a:t>"The price is equally distributed in both the year but there are some outlier in 2013</a:t>
+            </a:r>
+          </a:p>
+        </p:txBody>
+      </p:sp>
+      <p:sp>
+        <p:nvSpPr>
+          <p:cNvPr id="3" name="Text Placeholder 2">
+            <a:extLst>
+              <a:ext uri="{FF2B5EF4-FFF2-40B4-BE49-F238E27FC236}">
+                <a16:creationId xmlns:a16="http://schemas.microsoft.com/office/drawing/2014/main" id="{7AD232C9-EBE8-48EC-9AE9-B1C3900DA064}"/>
+              </a:ext>
+            </a:extLst>
+          </p:cNvPr>
+          <p:cNvSpPr>
+            <a:spLocks noGrp="1"/>
+          </p:cNvSpPr>
+          <p:nvPr>
+            <p:ph type="body" idx="1"/>
+          </p:nvPr>
+        </p:nvSpPr>
+        <p:spPr>
+          <a:xfrm>
+            <a:off x="304800" y="1828800"/>
+            <a:ext cx="2743200" cy="2393604"/>
+          </a:xfrm>
+        </p:spPr>
+        <p:txBody>
+          <a:bodyPr vert="horz" wrap="square" lIns="0" tIns="84455" rIns="0" bIns="0" rtlCol="0">
+            <a:spAutoFit/>
+          </a:bodyPr>
+          <a:lstStyle/>
+          <a:p>
+            <a:pPr marL="12700" marR="5080" algn="l" rtl="0">
+              <a:lnSpc>
+                <a:spcPts val="4540"/>
+              </a:lnSpc>
+              <a:spcBef>
+                <a:spcPts val="665"/>
+              </a:spcBef>
+            </a:pPr>
+            <a:r>
+              <a:rPr lang="en-US" sz="4400" kern="1200" spc="-55" dirty="0">
+                <a:solidFill>
+                  <a:srgbClr val="FFFFFF"/>
+                </a:solidFill>
+                <a:latin typeface="Corbel"/>
+              </a:rPr>
+              <a:t>EXPLORA-TORY DATA ANALYSIS</a:t>
+            </a:r>
+          </a:p>
+        </p:txBody>
+      </p:sp>
+      <p:pic>
+        <p:nvPicPr>
+          <p:cNvPr id="5" name="Picture 4">
+            <a:extLst>
+              <a:ext uri="{FF2B5EF4-FFF2-40B4-BE49-F238E27FC236}">
+                <a16:creationId xmlns:a16="http://schemas.microsoft.com/office/drawing/2014/main" id="{22C6883F-6544-4705-B3AB-8701A7AB052E}"/>
+              </a:ext>
+            </a:extLst>
+          </p:cNvPr>
+          <p:cNvPicPr>
+            <a:picLocks noChangeAspect="1"/>
+          </p:cNvPicPr>
+          <p:nvPr/>
+        </p:nvPicPr>
+        <p:blipFill>
+          <a:blip r:embed="rId2"/>
+          <a:stretch>
+            <a:fillRect/>
+          </a:stretch>
+        </p:blipFill>
+        <p:spPr>
+          <a:xfrm>
+            <a:off x="4348162" y="914401"/>
+            <a:ext cx="6015038" cy="4195762"/>
+          </a:xfrm>
+          <a:prstGeom prst="rect">
+            <a:avLst/>
+          </a:prstGeom>
+        </p:spPr>
+      </p:pic>
+    </p:spTree>
+    <p:extLst>
+      <p:ext uri="{BB962C8B-B14F-4D97-AF65-F5344CB8AC3E}">
+        <p14:creationId xmlns:p14="http://schemas.microsoft.com/office/powerpoint/2010/main" val="682201078"/>
+      </p:ext>
+    </p:extLst>
+  </p:cSld>
+  <p:clrMapOvr>
+    <a:masterClrMapping/>
+  </p:clrMapOvr>
+</p:sld>
+</file>
+
+<file path=ppt/slides/slide14.xml><?xml version="1.0" encoding="utf-8"?>
+<p:sld xmlns:a="http://schemas.openxmlformats.org/drawingml/2006/main" xmlns:r="http://schemas.openxmlformats.org/officeDocument/2006/relationships" xmlns:p="http://schemas.openxmlformats.org/presentationml/2006/main">
+  <p:cSld>
+    <p:spTree>
+      <p:nvGrpSpPr>
+        <p:cNvPr id="1" name=""/>
+        <p:cNvGrpSpPr/>
+        <p:nvPr/>
+      </p:nvGrpSpPr>
+      <p:grpSpPr>
+        <a:xfrm>
+          <a:off x="0" y="0"/>
+          <a:ext cx="0" cy="0"/>
+          <a:chOff x="0" y="0"/>
+          <a:chExt cx="0" cy="0"/>
+        </a:xfrm>
+      </p:grpSpPr>
+      <p:sp>
+        <p:nvSpPr>
+          <p:cNvPr id="2" name="Title 1">
+            <a:extLst>
+              <a:ext uri="{FF2B5EF4-FFF2-40B4-BE49-F238E27FC236}">
+                <a16:creationId xmlns:a16="http://schemas.microsoft.com/office/drawing/2014/main" id="{7D016F4D-89A3-4252-8C6A-513D3D51B060}"/>
+              </a:ext>
+            </a:extLst>
+          </p:cNvPr>
+          <p:cNvSpPr>
+            <a:spLocks noGrp="1"/>
+          </p:cNvSpPr>
+          <p:nvPr>
+            <p:ph type="title"/>
+          </p:nvPr>
+        </p:nvSpPr>
+        <p:spPr>
+          <a:xfrm>
+            <a:off x="3962400" y="5547067"/>
+            <a:ext cx="7163308" cy="738664"/>
+          </a:xfrm>
+        </p:spPr>
+        <p:txBody>
+          <a:bodyPr/>
+          <a:lstStyle/>
+          <a:p>
+            <a:r>
+              <a:rPr lang="en-US" b="0" u="none" dirty="0"/>
+              <a:t>"Price of old house is less compared to price of new house and also as MRT stations are nearby"</a:t>
+            </a:r>
+          </a:p>
+        </p:txBody>
+      </p:sp>
+      <p:sp>
+        <p:nvSpPr>
+          <p:cNvPr id="3" name="Text Placeholder 2">
+            <a:extLst>
+              <a:ext uri="{FF2B5EF4-FFF2-40B4-BE49-F238E27FC236}">
+                <a16:creationId xmlns:a16="http://schemas.microsoft.com/office/drawing/2014/main" id="{7AD232C9-EBE8-48EC-9AE9-B1C3900DA064}"/>
+              </a:ext>
+            </a:extLst>
+          </p:cNvPr>
+          <p:cNvSpPr>
+            <a:spLocks noGrp="1"/>
+          </p:cNvSpPr>
+          <p:nvPr>
+            <p:ph type="body" idx="1"/>
+          </p:nvPr>
+        </p:nvSpPr>
+        <p:spPr>
+          <a:xfrm>
+            <a:off x="304800" y="1828800"/>
+            <a:ext cx="2743200" cy="2393604"/>
+          </a:xfrm>
+        </p:spPr>
+        <p:txBody>
+          <a:bodyPr vert="horz" wrap="square" lIns="0" tIns="84455" rIns="0" bIns="0" rtlCol="0">
+            <a:spAutoFit/>
+          </a:bodyPr>
+          <a:lstStyle/>
+          <a:p>
+            <a:pPr marL="12700" marR="5080" algn="l" rtl="0">
+              <a:lnSpc>
+                <a:spcPts val="4540"/>
+              </a:lnSpc>
+              <a:spcBef>
+                <a:spcPts val="665"/>
+              </a:spcBef>
+            </a:pPr>
+            <a:r>
+              <a:rPr lang="en-US" sz="4400" kern="1200" spc="-55" dirty="0">
+                <a:solidFill>
+                  <a:srgbClr val="FFFFFF"/>
+                </a:solidFill>
+                <a:latin typeface="Corbel"/>
+              </a:rPr>
+              <a:t>EXPLORA-TORY DATA ANALYSIS</a:t>
+            </a:r>
+          </a:p>
+        </p:txBody>
+      </p:sp>
+      <p:pic>
+        <p:nvPicPr>
+          <p:cNvPr id="4" name="Picture 3">
+            <a:extLst>
+              <a:ext uri="{FF2B5EF4-FFF2-40B4-BE49-F238E27FC236}">
+                <a16:creationId xmlns:a16="http://schemas.microsoft.com/office/drawing/2014/main" id="{30A0A968-478A-4D11-BECC-56EF414F37AB}"/>
+              </a:ext>
+            </a:extLst>
+          </p:cNvPr>
+          <p:cNvPicPr>
+            <a:picLocks noChangeAspect="1"/>
+          </p:cNvPicPr>
+          <p:nvPr/>
+        </p:nvPicPr>
+        <p:blipFill>
+          <a:blip r:embed="rId2"/>
+          <a:stretch>
+            <a:fillRect/>
+          </a:stretch>
+        </p:blipFill>
+        <p:spPr>
+          <a:xfrm>
+            <a:off x="3962400" y="685800"/>
+            <a:ext cx="7163308" cy="4343400"/>
+          </a:xfrm>
+          <a:prstGeom prst="rect">
+            <a:avLst/>
+          </a:prstGeom>
+        </p:spPr>
+      </p:pic>
+    </p:spTree>
+    <p:extLst>
+      <p:ext uri="{BB962C8B-B14F-4D97-AF65-F5344CB8AC3E}">
+        <p14:creationId xmlns:p14="http://schemas.microsoft.com/office/powerpoint/2010/main" val="1719979415"/>
+      </p:ext>
+    </p:extLst>
+  </p:cSld>
+  <p:clrMapOvr>
+    <a:masterClrMapping/>
+  </p:clrMapOvr>
+</p:sld>
+</file>
+
+<file path=ppt/slides/slide15.xml><?xml version="1.0" encoding="utf-8"?>
+<p:sld xmlns:a="http://schemas.openxmlformats.org/drawingml/2006/main" xmlns:r="http://schemas.openxmlformats.org/officeDocument/2006/relationships" xmlns:p="http://schemas.openxmlformats.org/presentationml/2006/main">
+  <p:cSld>
+    <p:spTree>
+      <p:nvGrpSpPr>
+        <p:cNvPr id="1" name=""/>
+        <p:cNvGrpSpPr/>
+        <p:nvPr/>
+      </p:nvGrpSpPr>
+      <p:grpSpPr>
+        <a:xfrm>
+          <a:off x="0" y="0"/>
+          <a:ext cx="0" cy="0"/>
+          <a:chOff x="0" y="0"/>
+          <a:chExt cx="0" cy="0"/>
+        </a:xfrm>
+      </p:grpSpPr>
+      <p:sp>
+        <p:nvSpPr>
+          <p:cNvPr id="2" name="Title 1">
+            <a:extLst>
+              <a:ext uri="{FF2B5EF4-FFF2-40B4-BE49-F238E27FC236}">
+                <a16:creationId xmlns:a16="http://schemas.microsoft.com/office/drawing/2014/main" id="{7D016F4D-89A3-4252-8C6A-513D3D51B060}"/>
+              </a:ext>
+            </a:extLst>
+          </p:cNvPr>
+          <p:cNvSpPr>
+            <a:spLocks noGrp="1"/>
+          </p:cNvSpPr>
+          <p:nvPr>
+            <p:ph type="title"/>
+          </p:nvPr>
+        </p:nvSpPr>
+        <p:spPr>
+          <a:xfrm>
+            <a:off x="3924046" y="5562600"/>
+            <a:ext cx="7163308" cy="738664"/>
+          </a:xfrm>
+        </p:spPr>
+        <p:txBody>
+          <a:bodyPr/>
+          <a:lstStyle/>
+          <a:p>
+            <a:r>
+              <a:rPr lang="en-US" b="0" u="none" dirty="0"/>
+              <a:t>“Most of the new houses are located where the number of stores are greater than 5”</a:t>
+            </a:r>
+          </a:p>
+        </p:txBody>
+      </p:sp>
+      <p:sp>
+        <p:nvSpPr>
+          <p:cNvPr id="3" name="Text Placeholder 2">
+            <a:extLst>
+              <a:ext uri="{FF2B5EF4-FFF2-40B4-BE49-F238E27FC236}">
+                <a16:creationId xmlns:a16="http://schemas.microsoft.com/office/drawing/2014/main" id="{7AD232C9-EBE8-48EC-9AE9-B1C3900DA064}"/>
+              </a:ext>
+            </a:extLst>
+          </p:cNvPr>
+          <p:cNvSpPr>
+            <a:spLocks noGrp="1"/>
+          </p:cNvSpPr>
+          <p:nvPr>
+            <p:ph type="body" idx="1"/>
+          </p:nvPr>
+        </p:nvSpPr>
+        <p:spPr>
+          <a:xfrm>
+            <a:off x="304800" y="1828800"/>
+            <a:ext cx="2743200" cy="2393604"/>
+          </a:xfrm>
+        </p:spPr>
+        <p:txBody>
+          <a:bodyPr vert="horz" wrap="square" lIns="0" tIns="84455" rIns="0" bIns="0" rtlCol="0">
+            <a:spAutoFit/>
+          </a:bodyPr>
+          <a:lstStyle/>
+          <a:p>
+            <a:pPr marL="12700" marR="5080" algn="l" rtl="0">
+              <a:lnSpc>
+                <a:spcPts val="4540"/>
+              </a:lnSpc>
+              <a:spcBef>
+                <a:spcPts val="665"/>
+              </a:spcBef>
+            </a:pPr>
+            <a:r>
+              <a:rPr lang="en-US" sz="4400" kern="1200" spc="-55" dirty="0">
+                <a:solidFill>
+                  <a:srgbClr val="FFFFFF"/>
+                </a:solidFill>
+                <a:latin typeface="Corbel"/>
+              </a:rPr>
+              <a:t>EXPLORA-TORY DATA ANALYSIS</a:t>
+            </a:r>
+          </a:p>
+        </p:txBody>
+      </p:sp>
+      <p:pic>
+        <p:nvPicPr>
+          <p:cNvPr id="5" name="Picture 4">
+            <a:extLst>
+              <a:ext uri="{FF2B5EF4-FFF2-40B4-BE49-F238E27FC236}">
+                <a16:creationId xmlns:a16="http://schemas.microsoft.com/office/drawing/2014/main" id="{5F5C4768-7CE2-4542-A421-FDFFAC653C43}"/>
+              </a:ext>
+            </a:extLst>
+          </p:cNvPr>
+          <p:cNvPicPr>
+            <a:picLocks noChangeAspect="1"/>
+          </p:cNvPicPr>
+          <p:nvPr/>
+        </p:nvPicPr>
+        <p:blipFill>
+          <a:blip r:embed="rId2"/>
+          <a:stretch>
+            <a:fillRect/>
+          </a:stretch>
+        </p:blipFill>
+        <p:spPr>
+          <a:xfrm>
+            <a:off x="4267200" y="762000"/>
+            <a:ext cx="6477000" cy="4115483"/>
+          </a:xfrm>
+          <a:prstGeom prst="rect">
+            <a:avLst/>
+          </a:prstGeom>
+        </p:spPr>
+      </p:pic>
+    </p:spTree>
+    <p:extLst>
+      <p:ext uri="{BB962C8B-B14F-4D97-AF65-F5344CB8AC3E}">
+        <p14:creationId xmlns:p14="http://schemas.microsoft.com/office/powerpoint/2010/main" val="2778506869"/>
+      </p:ext>
+    </p:extLst>
+  </p:cSld>
+  <p:clrMapOvr>
+    <a:masterClrMapping/>
+  </p:clrMapOvr>
+</p:sld>
+</file>
+
+<file path=ppt/slides/slide16.xml><?xml version="1.0" encoding="utf-8"?>
+<p:sld xmlns:a="http://schemas.openxmlformats.org/drawingml/2006/main" xmlns:r="http://schemas.openxmlformats.org/officeDocument/2006/relationships" xmlns:p="http://schemas.openxmlformats.org/presentationml/2006/main">
+  <p:cSld>
+    <p:spTree>
+      <p:nvGrpSpPr>
+        <p:cNvPr id="1" name=""/>
+        <p:cNvGrpSpPr/>
+        <p:nvPr/>
+      </p:nvGrpSpPr>
+      <p:grpSpPr>
+        <a:xfrm>
+          <a:off x="0" y="0"/>
+          <a:ext cx="0" cy="0"/>
+          <a:chOff x="0" y="0"/>
+          <a:chExt cx="0" cy="0"/>
+        </a:xfrm>
+      </p:grpSpPr>
+      <p:sp>
+        <p:nvSpPr>
+          <p:cNvPr id="2" name="Title 1">
+            <a:extLst>
+              <a:ext uri="{FF2B5EF4-FFF2-40B4-BE49-F238E27FC236}">
+                <a16:creationId xmlns:a16="http://schemas.microsoft.com/office/drawing/2014/main" id="{7D016F4D-89A3-4252-8C6A-513D3D51B060}"/>
+              </a:ext>
+            </a:extLst>
+          </p:cNvPr>
+          <p:cNvSpPr>
+            <a:spLocks noGrp="1"/>
+          </p:cNvSpPr>
+          <p:nvPr>
+            <p:ph type="title"/>
+          </p:nvPr>
+        </p:nvSpPr>
+        <p:spPr>
+          <a:xfrm>
+            <a:off x="3924046" y="5562600"/>
+            <a:ext cx="7163308" cy="738664"/>
+          </a:xfrm>
+        </p:spPr>
+        <p:txBody>
+          <a:bodyPr/>
+          <a:lstStyle/>
+          <a:p>
+            <a:r>
+              <a:rPr lang="en-US" b="0" u="none" dirty="0"/>
+              <a:t>"The price of the house is right skewed and the deviation of the price from mean is towards right of the graph'</a:t>
+            </a:r>
+          </a:p>
+        </p:txBody>
+      </p:sp>
+      <p:sp>
+        <p:nvSpPr>
+          <p:cNvPr id="3" name="Text Placeholder 2">
+            <a:extLst>
+              <a:ext uri="{FF2B5EF4-FFF2-40B4-BE49-F238E27FC236}">
+                <a16:creationId xmlns:a16="http://schemas.microsoft.com/office/drawing/2014/main" id="{7AD232C9-EBE8-48EC-9AE9-B1C3900DA064}"/>
+              </a:ext>
+            </a:extLst>
+          </p:cNvPr>
+          <p:cNvSpPr>
+            <a:spLocks noGrp="1"/>
+          </p:cNvSpPr>
+          <p:nvPr>
+            <p:ph type="body" idx="1"/>
+          </p:nvPr>
+        </p:nvSpPr>
+        <p:spPr>
+          <a:xfrm>
+            <a:off x="304800" y="1828800"/>
+            <a:ext cx="2743200" cy="2393604"/>
+          </a:xfrm>
+        </p:spPr>
+        <p:txBody>
+          <a:bodyPr vert="horz" wrap="square" lIns="0" tIns="84455" rIns="0" bIns="0" rtlCol="0">
+            <a:spAutoFit/>
+          </a:bodyPr>
+          <a:lstStyle/>
+          <a:p>
+            <a:pPr marL="12700" marR="5080" algn="l" rtl="0">
+              <a:lnSpc>
+                <a:spcPts val="4540"/>
+              </a:lnSpc>
+              <a:spcBef>
+                <a:spcPts val="665"/>
+              </a:spcBef>
+            </a:pPr>
+            <a:r>
+              <a:rPr lang="en-US" sz="4400" kern="1200" spc="-55" dirty="0">
+                <a:solidFill>
+                  <a:srgbClr val="FFFFFF"/>
+                </a:solidFill>
+                <a:latin typeface="Corbel"/>
+              </a:rPr>
+              <a:t>EXPLORA-TORY DATA ANALYSIS</a:t>
+            </a:r>
+          </a:p>
+        </p:txBody>
+      </p:sp>
+      <p:pic>
+        <p:nvPicPr>
+          <p:cNvPr id="2052" name="Picture 4">
+            <a:extLst>
+              <a:ext uri="{FF2B5EF4-FFF2-40B4-BE49-F238E27FC236}">
+                <a16:creationId xmlns:a16="http://schemas.microsoft.com/office/drawing/2014/main" id="{310EB913-0688-4851-9B23-0103C92B2BC4}"/>
+              </a:ext>
+            </a:extLst>
+          </p:cNvPr>
+          <p:cNvPicPr>
+            <a:picLocks noChangeAspect="1" noChangeArrowheads="1"/>
+          </p:cNvPicPr>
+          <p:nvPr/>
+        </p:nvPicPr>
+        <p:blipFill>
+          <a:blip r:embed="rId2">
+            <a:extLst>
+              <a:ext uri="{28A0092B-C50C-407E-A947-70E740481C1C}">
+                <a14:useLocalDpi xmlns:a14="http://schemas.microsoft.com/office/drawing/2010/main" val="0"/>
+              </a:ext>
+            </a:extLst>
+          </a:blip>
+          <a:srcRect/>
+          <a:stretch>
+            <a:fillRect/>
+          </a:stretch>
+        </p:blipFill>
+        <p:spPr bwMode="auto">
+          <a:xfrm>
+            <a:off x="4267200" y="914400"/>
+            <a:ext cx="6477000" cy="4114799"/>
+          </a:xfrm>
+          <a:prstGeom prst="rect">
+            <a:avLst/>
+          </a:prstGeom>
+          <a:noFill/>
+          <a:extLst>
+            <a:ext uri="{909E8E84-426E-40DD-AFC4-6F175D3DCCD1}">
+              <a14:hiddenFill xmlns:a14="http://schemas.microsoft.com/office/drawing/2010/main">
+                <a:solidFill>
+                  <a:srgbClr val="FFFFFF"/>
+                </a:solidFill>
+              </a14:hiddenFill>
+            </a:ext>
+          </a:extLst>
+        </p:spPr>
+      </p:pic>
+    </p:spTree>
+    <p:extLst>
+      <p:ext uri="{BB962C8B-B14F-4D97-AF65-F5344CB8AC3E}">
+        <p14:creationId xmlns:p14="http://schemas.microsoft.com/office/powerpoint/2010/main" val="16545472"/>
+      </p:ext>
+    </p:extLst>
+  </p:cSld>
+  <p:clrMapOvr>
+    <a:masterClrMapping/>
+  </p:clrMapOvr>
+</p:sld>
+</file>
+
+<file path=ppt/slides/slide17.xml><?xml version="1.0" encoding="utf-8"?>
+<p:sld xmlns:a="http://schemas.openxmlformats.org/drawingml/2006/main" xmlns:r="http://schemas.openxmlformats.org/officeDocument/2006/relationships" xmlns:p="http://schemas.openxmlformats.org/presentationml/2006/main">
+  <p:cSld>
+    <p:spTree>
+      <p:nvGrpSpPr>
+        <p:cNvPr id="1" name=""/>
+        <p:cNvGrpSpPr/>
+        <p:nvPr/>
+      </p:nvGrpSpPr>
+      <p:grpSpPr>
+        <a:xfrm>
+          <a:off x="0" y="0"/>
+          <a:ext cx="0" cy="0"/>
+          <a:chOff x="0" y="0"/>
+          <a:chExt cx="0" cy="0"/>
+        </a:xfrm>
+      </p:grpSpPr>
+      <p:sp>
+        <p:nvSpPr>
+          <p:cNvPr id="2" name="Title 1">
+            <a:extLst>
+              <a:ext uri="{FF2B5EF4-FFF2-40B4-BE49-F238E27FC236}">
+                <a16:creationId xmlns:a16="http://schemas.microsoft.com/office/drawing/2014/main" id="{7D016F4D-89A3-4252-8C6A-513D3D51B060}"/>
+              </a:ext>
+            </a:extLst>
+          </p:cNvPr>
+          <p:cNvSpPr>
+            <a:spLocks noGrp="1"/>
+          </p:cNvSpPr>
+          <p:nvPr>
+            <p:ph type="title"/>
+          </p:nvPr>
+        </p:nvSpPr>
+        <p:spPr>
+          <a:xfrm>
+            <a:off x="3924046" y="5562600"/>
+            <a:ext cx="7163308" cy="738664"/>
+          </a:xfrm>
+        </p:spPr>
+        <p:txBody>
+          <a:bodyPr/>
+          <a:lstStyle/>
+          <a:p>
+            <a:r>
+              <a:rPr lang="en-US" b="0" u="none" dirty="0"/>
+              <a:t>"The price of the house is right skewed and the deviation of the price from mean is towards right of the graph'</a:t>
+            </a:r>
+          </a:p>
+        </p:txBody>
+      </p:sp>
+      <p:sp>
+        <p:nvSpPr>
+          <p:cNvPr id="3" name="Text Placeholder 2">
+            <a:extLst>
+              <a:ext uri="{FF2B5EF4-FFF2-40B4-BE49-F238E27FC236}">
+                <a16:creationId xmlns:a16="http://schemas.microsoft.com/office/drawing/2014/main" id="{7AD232C9-EBE8-48EC-9AE9-B1C3900DA064}"/>
+              </a:ext>
+            </a:extLst>
+          </p:cNvPr>
+          <p:cNvSpPr>
+            <a:spLocks noGrp="1"/>
+          </p:cNvSpPr>
+          <p:nvPr>
+            <p:ph type="body" idx="1"/>
+          </p:nvPr>
+        </p:nvSpPr>
+        <p:spPr>
+          <a:xfrm>
+            <a:off x="304800" y="1828800"/>
+            <a:ext cx="2743200" cy="2393604"/>
+          </a:xfrm>
+        </p:spPr>
+        <p:txBody>
+          <a:bodyPr vert="horz" wrap="square" lIns="0" tIns="84455" rIns="0" bIns="0" rtlCol="0">
+            <a:spAutoFit/>
+          </a:bodyPr>
+          <a:lstStyle/>
+          <a:p>
+            <a:pPr marL="12700" marR="5080" algn="l" rtl="0">
+              <a:lnSpc>
+                <a:spcPts val="4540"/>
+              </a:lnSpc>
+              <a:spcBef>
+                <a:spcPts val="665"/>
+              </a:spcBef>
+            </a:pPr>
+            <a:r>
+              <a:rPr lang="en-US" sz="4400" kern="1200" spc="-55" dirty="0">
+                <a:solidFill>
+                  <a:srgbClr val="FFFFFF"/>
+                </a:solidFill>
+                <a:latin typeface="Corbel"/>
+              </a:rPr>
+              <a:t>EXPLORA-TORY DATA ANALYSIS</a:t>
+            </a:r>
+          </a:p>
+        </p:txBody>
+      </p:sp>
+      <p:pic>
+        <p:nvPicPr>
+          <p:cNvPr id="2052" name="Picture 4">
+            <a:extLst>
+              <a:ext uri="{FF2B5EF4-FFF2-40B4-BE49-F238E27FC236}">
+                <a16:creationId xmlns:a16="http://schemas.microsoft.com/office/drawing/2014/main" id="{310EB913-0688-4851-9B23-0103C92B2BC4}"/>
+              </a:ext>
+            </a:extLst>
+          </p:cNvPr>
+          <p:cNvPicPr>
+            <a:picLocks noChangeAspect="1" noChangeArrowheads="1"/>
+          </p:cNvPicPr>
+          <p:nvPr/>
+        </p:nvPicPr>
+        <p:blipFill>
+          <a:blip r:embed="rId2">
+            <a:extLst>
+              <a:ext uri="{28A0092B-C50C-407E-A947-70E740481C1C}">
+                <a14:useLocalDpi xmlns:a14="http://schemas.microsoft.com/office/drawing/2010/main" val="0"/>
+              </a:ext>
+            </a:extLst>
+          </a:blip>
+          <a:srcRect/>
+          <a:stretch>
+            <a:fillRect/>
+          </a:stretch>
+        </p:blipFill>
+        <p:spPr bwMode="auto">
+          <a:xfrm>
+            <a:off x="4267200" y="914400"/>
+            <a:ext cx="6477000" cy="4114799"/>
+          </a:xfrm>
+          <a:prstGeom prst="rect">
+            <a:avLst/>
+          </a:prstGeom>
+          <a:noFill/>
+          <a:extLst>
+            <a:ext uri="{909E8E84-426E-40DD-AFC4-6F175D3DCCD1}">
+              <a14:hiddenFill xmlns:a14="http://schemas.microsoft.com/office/drawing/2010/main">
+                <a:solidFill>
+                  <a:srgbClr val="FFFFFF"/>
+                </a:solidFill>
+              </a14:hiddenFill>
+            </a:ext>
+          </a:extLst>
+        </p:spPr>
+      </p:pic>
+    </p:spTree>
+    <p:extLst>
+      <p:ext uri="{BB962C8B-B14F-4D97-AF65-F5344CB8AC3E}">
+        <p14:creationId xmlns:p14="http://schemas.microsoft.com/office/powerpoint/2010/main" val="4120948636"/>
+      </p:ext>
+    </p:extLst>
+  </p:cSld>
+  <p:clrMapOvr>
+    <a:masterClrMapping/>
+  </p:clrMapOvr>
+</p:sld>
+</file>
+
+<file path=ppt/slides/slide18.xml><?xml version="1.0" encoding="utf-8"?>
+<p:sld xmlns:a="http://schemas.openxmlformats.org/drawingml/2006/main" xmlns:r="http://schemas.openxmlformats.org/officeDocument/2006/relationships" xmlns:p="http://schemas.openxmlformats.org/presentationml/2006/main">
+  <p:cSld>
+    <p:spTree>
+      <p:nvGrpSpPr>
+        <p:cNvPr id="1" name=""/>
+        <p:cNvGrpSpPr/>
+        <p:nvPr/>
+      </p:nvGrpSpPr>
+      <p:grpSpPr>
+        <a:xfrm>
+          <a:off x="0" y="0"/>
+          <a:ext cx="0" cy="0"/>
+          <a:chOff x="0" y="0"/>
+          <a:chExt cx="0" cy="0"/>
+        </a:xfrm>
+      </p:grpSpPr>
+      <p:sp>
+        <p:nvSpPr>
+          <p:cNvPr id="2" name="Title 1">
+            <a:extLst>
+              <a:ext uri="{FF2B5EF4-FFF2-40B4-BE49-F238E27FC236}">
+                <a16:creationId xmlns:a16="http://schemas.microsoft.com/office/drawing/2014/main" id="{7D016F4D-89A3-4252-8C6A-513D3D51B060}"/>
+              </a:ext>
+            </a:extLst>
+          </p:cNvPr>
+          <p:cNvSpPr>
+            <a:spLocks noGrp="1"/>
+          </p:cNvSpPr>
+          <p:nvPr>
+            <p:ph type="title"/>
+          </p:nvPr>
+        </p:nvSpPr>
+        <p:spPr>
+          <a:xfrm>
+            <a:off x="3924046" y="5562600"/>
+            <a:ext cx="7163308" cy="738664"/>
+          </a:xfrm>
+        </p:spPr>
+        <p:txBody>
+          <a:bodyPr/>
+          <a:lstStyle/>
+          <a:p>
+            <a:r>
+              <a:rPr lang="en-US" b="0" u="none" dirty="0"/>
+              <a:t>Price of house is shows around 50% correlation to Stores, Latitude and longitude</a:t>
+            </a:r>
+          </a:p>
+        </p:txBody>
+      </p:sp>
+      <p:sp>
+        <p:nvSpPr>
+          <p:cNvPr id="3" name="Text Placeholder 2">
+            <a:extLst>
+              <a:ext uri="{FF2B5EF4-FFF2-40B4-BE49-F238E27FC236}">
+                <a16:creationId xmlns:a16="http://schemas.microsoft.com/office/drawing/2014/main" id="{7AD232C9-EBE8-48EC-9AE9-B1C3900DA064}"/>
+              </a:ext>
+            </a:extLst>
+          </p:cNvPr>
+          <p:cNvSpPr>
+            <a:spLocks noGrp="1"/>
+          </p:cNvSpPr>
+          <p:nvPr>
+            <p:ph type="body" idx="1"/>
+          </p:nvPr>
+        </p:nvSpPr>
+        <p:spPr>
+          <a:xfrm>
+            <a:off x="304800" y="1828800"/>
+            <a:ext cx="2743200" cy="2393604"/>
+          </a:xfrm>
+        </p:spPr>
+        <p:txBody>
+          <a:bodyPr vert="horz" wrap="square" lIns="0" tIns="84455" rIns="0" bIns="0" rtlCol="0">
+            <a:spAutoFit/>
+          </a:bodyPr>
+          <a:lstStyle/>
+          <a:p>
+            <a:pPr marL="12700" marR="5080" algn="l" rtl="0">
+              <a:lnSpc>
+                <a:spcPts val="4540"/>
+              </a:lnSpc>
+              <a:spcBef>
+                <a:spcPts val="665"/>
+              </a:spcBef>
+            </a:pPr>
+            <a:r>
+              <a:rPr lang="en-US" sz="4400" kern="1200" spc="-55" dirty="0">
+                <a:solidFill>
+                  <a:srgbClr val="FFFFFF"/>
+                </a:solidFill>
+                <a:latin typeface="Corbel"/>
+              </a:rPr>
+              <a:t>EXPLORA-TORY DATA ANALYSIS</a:t>
+            </a:r>
+          </a:p>
+        </p:txBody>
+      </p:sp>
+      <p:pic>
+        <p:nvPicPr>
+          <p:cNvPr id="3074" name="Picture 2">
+            <a:extLst>
+              <a:ext uri="{FF2B5EF4-FFF2-40B4-BE49-F238E27FC236}">
+                <a16:creationId xmlns:a16="http://schemas.microsoft.com/office/drawing/2014/main" id="{3EE6D522-AFBF-43C7-AA44-20DC88548DDC}"/>
+              </a:ext>
+            </a:extLst>
+          </p:cNvPr>
+          <p:cNvPicPr>
+            <a:picLocks noChangeAspect="1" noChangeArrowheads="1"/>
+          </p:cNvPicPr>
+          <p:nvPr/>
+        </p:nvPicPr>
+        <p:blipFill>
+          <a:blip r:embed="rId2">
+            <a:extLst>
+              <a:ext uri="{28A0092B-C50C-407E-A947-70E740481C1C}">
+                <a14:useLocalDpi xmlns:a14="http://schemas.microsoft.com/office/drawing/2010/main" val="0"/>
+              </a:ext>
+            </a:extLst>
+          </a:blip>
+          <a:srcRect/>
+          <a:stretch>
+            <a:fillRect/>
+          </a:stretch>
+        </p:blipFill>
+        <p:spPr bwMode="auto">
+          <a:xfrm>
+            <a:off x="4052888" y="435353"/>
+            <a:ext cx="6538912" cy="4508122"/>
+          </a:xfrm>
+          <a:prstGeom prst="rect">
+            <a:avLst/>
+          </a:prstGeom>
+          <a:noFill/>
+          <a:extLst>
+            <a:ext uri="{909E8E84-426E-40DD-AFC4-6F175D3DCCD1}">
+              <a14:hiddenFill xmlns:a14="http://schemas.microsoft.com/office/drawing/2010/main">
+                <a:solidFill>
+                  <a:srgbClr val="FFFFFF"/>
+                </a:solidFill>
+              </a14:hiddenFill>
+            </a:ext>
+          </a:extLst>
+        </p:spPr>
+      </p:pic>
+    </p:spTree>
+    <p:extLst>
+      <p:ext uri="{BB962C8B-B14F-4D97-AF65-F5344CB8AC3E}">
+        <p14:creationId xmlns:p14="http://schemas.microsoft.com/office/powerpoint/2010/main" val="2710218791"/>
+      </p:ext>
+    </p:extLst>
+  </p:cSld>
+  <p:clrMapOvr>
+    <a:masterClrMapping/>
+  </p:clrMapOvr>
+</p:sld>
+</file>
+
 <file path=ppt/slides/slide2.xml><?xml version="1.0" encoding="utf-8"?>
 <p:sld xmlns:a="http://schemas.openxmlformats.org/drawingml/2006/main" xmlns:r="http://schemas.openxmlformats.org/officeDocument/2006/relationships" xmlns:p="http://schemas.openxmlformats.org/presentationml/2006/main">
   <p:cSld>
@@ -1847,7 +3180,7 @@
         <p:spPr>
           <a:xfrm>
             <a:off x="4495800" y="1833248"/>
-            <a:ext cx="3426460" cy="2273699"/>
+            <a:ext cx="5943600" cy="3450945"/>
           </a:xfrm>
           <a:prstGeom prst="rect">
             <a:avLst/>
@@ -1873,7 +3206,7 @@
               </a:tabLst>
             </a:pPr>
             <a:r>
-              <a:rPr sz="2400" b="1" dirty="0">
+              <a:rPr sz="3200" b="1" dirty="0">
                 <a:solidFill>
                   <a:srgbClr val="3E3E3E"/>
                 </a:solidFill>
@@ -1882,7 +3215,7 @@
               </a:rPr>
               <a:t>Introduction</a:t>
             </a:r>
-            <a:endParaRPr lang="en-US" sz="2400" b="1" dirty="0">
+            <a:endParaRPr lang="en-US" sz="3200" b="1" dirty="0">
               <a:solidFill>
                 <a:srgbClr val="3E3E3E"/>
               </a:solidFill>
@@ -1905,7 +3238,7 @@
               </a:tabLst>
             </a:pPr>
             <a:r>
-              <a:rPr lang="en-US" sz="2400" b="1" dirty="0">
+              <a:rPr lang="en-US" sz="3200" b="1" dirty="0">
                 <a:solidFill>
                   <a:srgbClr val="3E3E3E"/>
                 </a:solidFill>
@@ -1914,7 +3247,7 @@
               </a:rPr>
               <a:t>About Real Estate</a:t>
             </a:r>
-            <a:endParaRPr sz="2400" dirty="0">
+            <a:endParaRPr sz="3200" dirty="0">
               <a:latin typeface="Corbel"/>
               <a:cs typeface="Corbel"/>
             </a:endParaRPr>
@@ -1934,7 +3267,7 @@
               </a:tabLst>
             </a:pPr>
             <a:r>
-              <a:rPr sz="2400" b="1" spc="-5" dirty="0">
+              <a:rPr sz="3200" b="1" spc="-5" dirty="0">
                 <a:solidFill>
                   <a:srgbClr val="3E3E3E"/>
                 </a:solidFill>
@@ -1944,7 +3277,7 @@
               <a:t>About</a:t>
             </a:r>
             <a:r>
-              <a:rPr sz="2400" b="1" spc="5" dirty="0">
+              <a:rPr sz="3200" b="1" spc="5" dirty="0">
                 <a:solidFill>
                   <a:srgbClr val="3E3E3E"/>
                 </a:solidFill>
@@ -1954,7 +3287,7 @@
               <a:t> </a:t>
             </a:r>
             <a:r>
-              <a:rPr sz="2400" b="1" dirty="0">
+              <a:rPr sz="3200" b="1" dirty="0">
                 <a:solidFill>
                   <a:srgbClr val="3E3E3E"/>
                 </a:solidFill>
@@ -1963,7 +3296,7 @@
               </a:rPr>
               <a:t>Dataset</a:t>
             </a:r>
-            <a:endParaRPr lang="en-US" sz="2400" b="1" dirty="0">
+            <a:endParaRPr lang="en-US" sz="3200" b="1" dirty="0">
               <a:solidFill>
                 <a:srgbClr val="3E3E3E"/>
               </a:solidFill>
@@ -1986,7 +3319,7 @@
               </a:tabLst>
             </a:pPr>
             <a:r>
-              <a:rPr lang="en-US" sz="2400" b="1" dirty="0">
+              <a:rPr lang="en-US" sz="3200" b="1" dirty="0">
                 <a:solidFill>
                   <a:srgbClr val="3E3E3E"/>
                 </a:solidFill>
@@ -1995,7 +3328,32 @@
               </a:rPr>
               <a:t>Insights of Dataset</a:t>
             </a:r>
-            <a:endParaRPr sz="2400" dirty="0">
+          </a:p>
+          <a:p>
+            <a:pPr marL="241300" indent="-228600">
+              <a:lnSpc>
+                <a:spcPct val="100000"/>
+              </a:lnSpc>
+              <a:spcBef>
+                <a:spcPts val="1510"/>
+              </a:spcBef>
+              <a:buFont typeface="Arial"/>
+              <a:buChar char="▪"/>
+              <a:tabLst>
+                <a:tab pos="241300" algn="l"/>
+              </a:tabLst>
+            </a:pPr>
+            <a:r>
+              <a:rPr lang="en-US" sz="3200" b="1" dirty="0">
+                <a:solidFill>
+                  <a:srgbClr val="3E3E3E"/>
+                </a:solidFill>
+                <a:latin typeface="Corbel"/>
+                <a:cs typeface="Corbel"/>
+              </a:rPr>
+              <a:t>Exploratory Data Analysis</a:t>
+            </a:r>
+            <a:endParaRPr sz="3200" dirty="0">
               <a:latin typeface="Corbel"/>
               <a:cs typeface="Corbel"/>
             </a:endParaRPr>
@@ -2911,7 +4269,7 @@
           <a:graphicData uri="http://schemas.openxmlformats.org/presentationml/2006/ole">
             <mc:AlternateContent xmlns:mc="http://schemas.openxmlformats.org/markup-compatibility/2006">
               <mc:Choice xmlns:v="urn:schemas-microsoft-com:vml" Requires="v">
-                <p:oleObj spid="_x0000_s1032" name="Macro-Enabled Worksheet" showAsIcon="1" r:id="rId3" imgW="914290" imgH="771470" progId="Excel.SheetMacroEnabled.12">
+                <p:oleObj spid="_x0000_s1038" name="Macro-Enabled Worksheet" showAsIcon="1" r:id="rId3" imgW="914290" imgH="771470" progId="Excel.SheetMacroEnabled.12">
                   <p:embed/>
                 </p:oleObj>
               </mc:Choice>
@@ -3118,6 +4476,429 @@
     <p:extLst>
       <p:ext uri="{BB962C8B-B14F-4D97-AF65-F5344CB8AC3E}">
         <p14:creationId xmlns:p14="http://schemas.microsoft.com/office/powerpoint/2010/main" val="3437235522"/>
+      </p:ext>
+    </p:extLst>
+  </p:cSld>
+  <p:clrMapOvr>
+    <a:masterClrMapping/>
+  </p:clrMapOvr>
+</p:sld>
+</file>
+
+<file path=ppt/slides/slide7.xml><?xml version="1.0" encoding="utf-8"?>
+<p:sld xmlns:a="http://schemas.openxmlformats.org/drawingml/2006/main" xmlns:r="http://schemas.openxmlformats.org/officeDocument/2006/relationships" xmlns:p="http://schemas.openxmlformats.org/presentationml/2006/main">
+  <p:cSld>
+    <p:spTree>
+      <p:nvGrpSpPr>
+        <p:cNvPr id="1" name=""/>
+        <p:cNvGrpSpPr/>
+        <p:nvPr/>
+      </p:nvGrpSpPr>
+      <p:grpSpPr>
+        <a:xfrm>
+          <a:off x="0" y="0"/>
+          <a:ext cx="0" cy="0"/>
+          <a:chOff x="0" y="0"/>
+          <a:chExt cx="0" cy="0"/>
+        </a:xfrm>
+      </p:grpSpPr>
+      <p:sp>
+        <p:nvSpPr>
+          <p:cNvPr id="2" name="Title 1">
+            <a:extLst>
+              <a:ext uri="{FF2B5EF4-FFF2-40B4-BE49-F238E27FC236}">
+                <a16:creationId xmlns:a16="http://schemas.microsoft.com/office/drawing/2014/main" id="{7D016F4D-89A3-4252-8C6A-513D3D51B060}"/>
+              </a:ext>
+            </a:extLst>
+          </p:cNvPr>
+          <p:cNvSpPr>
+            <a:spLocks noGrp="1"/>
+          </p:cNvSpPr>
+          <p:nvPr>
+            <p:ph type="title"/>
+          </p:nvPr>
+        </p:nvSpPr>
+        <p:spPr>
+          <a:xfrm>
+            <a:off x="3962400" y="5547067"/>
+            <a:ext cx="7163308" cy="738664"/>
+          </a:xfrm>
+        </p:spPr>
+        <p:txBody>
+          <a:bodyPr/>
+          <a:lstStyle/>
+          <a:p>
+            <a:r>
+              <a:rPr lang="en-US" b="0" u="none" dirty="0"/>
+              <a:t>"Price of house is between 20 to 60 where the house age is between 0 to 20 years"</a:t>
+            </a:r>
+          </a:p>
+        </p:txBody>
+      </p:sp>
+      <p:sp>
+        <p:nvSpPr>
+          <p:cNvPr id="3" name="Text Placeholder 2">
+            <a:extLst>
+              <a:ext uri="{FF2B5EF4-FFF2-40B4-BE49-F238E27FC236}">
+                <a16:creationId xmlns:a16="http://schemas.microsoft.com/office/drawing/2014/main" id="{7AD232C9-EBE8-48EC-9AE9-B1C3900DA064}"/>
+              </a:ext>
+            </a:extLst>
+          </p:cNvPr>
+          <p:cNvSpPr>
+            <a:spLocks noGrp="1"/>
+          </p:cNvSpPr>
+          <p:nvPr>
+            <p:ph type="body" idx="1"/>
+          </p:nvPr>
+        </p:nvSpPr>
+        <p:spPr>
+          <a:xfrm>
+            <a:off x="304800" y="1828800"/>
+            <a:ext cx="2743200" cy="2393604"/>
+          </a:xfrm>
+        </p:spPr>
+        <p:txBody>
+          <a:bodyPr vert="horz" wrap="square" lIns="0" tIns="84455" rIns="0" bIns="0" rtlCol="0">
+            <a:spAutoFit/>
+          </a:bodyPr>
+          <a:lstStyle/>
+          <a:p>
+            <a:pPr marL="12700" marR="5080" algn="l" rtl="0">
+              <a:lnSpc>
+                <a:spcPts val="4540"/>
+              </a:lnSpc>
+              <a:spcBef>
+                <a:spcPts val="665"/>
+              </a:spcBef>
+            </a:pPr>
+            <a:r>
+              <a:rPr lang="en-US" sz="4400" kern="1200" spc="-55" dirty="0">
+                <a:solidFill>
+                  <a:srgbClr val="FFFFFF"/>
+                </a:solidFill>
+                <a:latin typeface="Corbel"/>
+              </a:rPr>
+              <a:t>EXPLORA-TORY DATA ANALYSIS</a:t>
+            </a:r>
+          </a:p>
+        </p:txBody>
+      </p:sp>
+      <p:pic>
+        <p:nvPicPr>
+          <p:cNvPr id="4" name="Picture 3">
+            <a:extLst>
+              <a:ext uri="{FF2B5EF4-FFF2-40B4-BE49-F238E27FC236}">
+                <a16:creationId xmlns:a16="http://schemas.microsoft.com/office/drawing/2014/main" id="{04565DBF-AD66-439B-91C1-7C67FC0C22BE}"/>
+              </a:ext>
+            </a:extLst>
+          </p:cNvPr>
+          <p:cNvPicPr>
+            <a:picLocks noChangeAspect="1"/>
+          </p:cNvPicPr>
+          <p:nvPr/>
+        </p:nvPicPr>
+        <p:blipFill>
+          <a:blip r:embed="rId2"/>
+          <a:stretch>
+            <a:fillRect/>
+          </a:stretch>
+        </p:blipFill>
+        <p:spPr>
+          <a:xfrm>
+            <a:off x="4248150" y="572269"/>
+            <a:ext cx="6038850" cy="4533132"/>
+          </a:xfrm>
+          <a:prstGeom prst="rect">
+            <a:avLst/>
+          </a:prstGeom>
+        </p:spPr>
+      </p:pic>
+    </p:spTree>
+    <p:extLst>
+      <p:ext uri="{BB962C8B-B14F-4D97-AF65-F5344CB8AC3E}">
+        <p14:creationId xmlns:p14="http://schemas.microsoft.com/office/powerpoint/2010/main" val="519992595"/>
+      </p:ext>
+    </p:extLst>
+  </p:cSld>
+  <p:clrMapOvr>
+    <a:masterClrMapping/>
+  </p:clrMapOvr>
+</p:sld>
+</file>
+
+<file path=ppt/slides/slide8.xml><?xml version="1.0" encoding="utf-8"?>
+<p:sld xmlns:a="http://schemas.openxmlformats.org/drawingml/2006/main" xmlns:r="http://schemas.openxmlformats.org/officeDocument/2006/relationships" xmlns:p="http://schemas.openxmlformats.org/presentationml/2006/main">
+  <p:cSld>
+    <p:spTree>
+      <p:nvGrpSpPr>
+        <p:cNvPr id="1" name=""/>
+        <p:cNvGrpSpPr/>
+        <p:nvPr/>
+      </p:nvGrpSpPr>
+      <p:grpSpPr>
+        <a:xfrm>
+          <a:off x="0" y="0"/>
+          <a:ext cx="0" cy="0"/>
+          <a:chOff x="0" y="0"/>
+          <a:chExt cx="0" cy="0"/>
+        </a:xfrm>
+      </p:grpSpPr>
+      <p:sp>
+        <p:nvSpPr>
+          <p:cNvPr id="2" name="Title 1">
+            <a:extLst>
+              <a:ext uri="{FF2B5EF4-FFF2-40B4-BE49-F238E27FC236}">
+                <a16:creationId xmlns:a16="http://schemas.microsoft.com/office/drawing/2014/main" id="{7D016F4D-89A3-4252-8C6A-513D3D51B060}"/>
+              </a:ext>
+            </a:extLst>
+          </p:cNvPr>
+          <p:cNvSpPr>
+            <a:spLocks noGrp="1"/>
+          </p:cNvSpPr>
+          <p:nvPr>
+            <p:ph type="title"/>
+          </p:nvPr>
+        </p:nvSpPr>
+        <p:spPr>
+          <a:xfrm>
+            <a:off x="3962400" y="5547067"/>
+            <a:ext cx="7163308" cy="1107996"/>
+          </a:xfrm>
+        </p:spPr>
+        <p:txBody>
+          <a:bodyPr/>
+          <a:lstStyle/>
+          <a:p>
+            <a:r>
+              <a:rPr lang="en-US" b="0" u="none" dirty="0"/>
+              <a:t>"The price value increases as the no of stores increases. From the graph less no of stores are crowded than more number of stores"</a:t>
+            </a:r>
+          </a:p>
+        </p:txBody>
+      </p:sp>
+      <p:sp>
+        <p:nvSpPr>
+          <p:cNvPr id="3" name="Text Placeholder 2">
+            <a:extLst>
+              <a:ext uri="{FF2B5EF4-FFF2-40B4-BE49-F238E27FC236}">
+                <a16:creationId xmlns:a16="http://schemas.microsoft.com/office/drawing/2014/main" id="{7AD232C9-EBE8-48EC-9AE9-B1C3900DA064}"/>
+              </a:ext>
+            </a:extLst>
+          </p:cNvPr>
+          <p:cNvSpPr>
+            <a:spLocks noGrp="1"/>
+          </p:cNvSpPr>
+          <p:nvPr>
+            <p:ph type="body" idx="1"/>
+          </p:nvPr>
+        </p:nvSpPr>
+        <p:spPr>
+          <a:xfrm>
+            <a:off x="304800" y="1828800"/>
+            <a:ext cx="2743200" cy="2393604"/>
+          </a:xfrm>
+        </p:spPr>
+        <p:txBody>
+          <a:bodyPr vert="horz" wrap="square" lIns="0" tIns="84455" rIns="0" bIns="0" rtlCol="0">
+            <a:spAutoFit/>
+          </a:bodyPr>
+          <a:lstStyle/>
+          <a:p>
+            <a:pPr marL="12700" marR="5080" algn="l" rtl="0">
+              <a:lnSpc>
+                <a:spcPts val="4540"/>
+              </a:lnSpc>
+              <a:spcBef>
+                <a:spcPts val="665"/>
+              </a:spcBef>
+            </a:pPr>
+            <a:r>
+              <a:rPr lang="en-US" sz="4400" kern="1200" spc="-55" dirty="0">
+                <a:solidFill>
+                  <a:srgbClr val="FFFFFF"/>
+                </a:solidFill>
+                <a:latin typeface="Corbel"/>
+              </a:rPr>
+              <a:t>EXPLORA-TORY DATA ANALYSIS</a:t>
+            </a:r>
+          </a:p>
+        </p:txBody>
+      </p:sp>
+      <p:pic>
+        <p:nvPicPr>
+          <p:cNvPr id="4" name="Picture 3">
+            <a:extLst>
+              <a:ext uri="{FF2B5EF4-FFF2-40B4-BE49-F238E27FC236}">
+                <a16:creationId xmlns:a16="http://schemas.microsoft.com/office/drawing/2014/main" id="{5E814873-97E8-416B-9E9F-28C9A7B7C22B}"/>
+              </a:ext>
+            </a:extLst>
+          </p:cNvPr>
+          <p:cNvPicPr>
+            <a:picLocks noChangeAspect="1"/>
+          </p:cNvPicPr>
+          <p:nvPr/>
+        </p:nvPicPr>
+        <p:blipFill>
+          <a:blip r:embed="rId2"/>
+          <a:stretch>
+            <a:fillRect/>
+          </a:stretch>
+        </p:blipFill>
+        <p:spPr>
+          <a:xfrm>
+            <a:off x="4195762" y="685800"/>
+            <a:ext cx="6472238" cy="4038599"/>
+          </a:xfrm>
+          <a:prstGeom prst="rect">
+            <a:avLst/>
+          </a:prstGeom>
+        </p:spPr>
+      </p:pic>
+    </p:spTree>
+    <p:extLst>
+      <p:ext uri="{BB962C8B-B14F-4D97-AF65-F5344CB8AC3E}">
+        <p14:creationId xmlns:p14="http://schemas.microsoft.com/office/powerpoint/2010/main" val="1658953994"/>
+      </p:ext>
+    </p:extLst>
+  </p:cSld>
+  <p:clrMapOvr>
+    <a:masterClrMapping/>
+  </p:clrMapOvr>
+</p:sld>
+</file>
+
+<file path=ppt/slides/slide9.xml><?xml version="1.0" encoding="utf-8"?>
+<p:sld xmlns:a="http://schemas.openxmlformats.org/drawingml/2006/main" xmlns:r="http://schemas.openxmlformats.org/officeDocument/2006/relationships" xmlns:p="http://schemas.openxmlformats.org/presentationml/2006/main">
+  <p:cSld>
+    <p:spTree>
+      <p:nvGrpSpPr>
+        <p:cNvPr id="1" name=""/>
+        <p:cNvGrpSpPr/>
+        <p:nvPr/>
+      </p:nvGrpSpPr>
+      <p:grpSpPr>
+        <a:xfrm>
+          <a:off x="0" y="0"/>
+          <a:ext cx="0" cy="0"/>
+          <a:chOff x="0" y="0"/>
+          <a:chExt cx="0" cy="0"/>
+        </a:xfrm>
+      </p:grpSpPr>
+      <p:sp>
+        <p:nvSpPr>
+          <p:cNvPr id="2" name="Title 1">
+            <a:extLst>
+              <a:ext uri="{FF2B5EF4-FFF2-40B4-BE49-F238E27FC236}">
+                <a16:creationId xmlns:a16="http://schemas.microsoft.com/office/drawing/2014/main" id="{7D016F4D-89A3-4252-8C6A-513D3D51B060}"/>
+              </a:ext>
+            </a:extLst>
+          </p:cNvPr>
+          <p:cNvSpPr>
+            <a:spLocks noGrp="1"/>
+          </p:cNvSpPr>
+          <p:nvPr>
+            <p:ph type="title"/>
+          </p:nvPr>
+        </p:nvSpPr>
+        <p:spPr>
+          <a:xfrm>
+            <a:off x="3962400" y="5547067"/>
+            <a:ext cx="7163308" cy="738664"/>
+          </a:xfrm>
+        </p:spPr>
+        <p:txBody>
+          <a:bodyPr/>
+          <a:lstStyle/>
+          <a:p>
+            <a:r>
+              <a:rPr lang="en-US" b="0" u="none" dirty="0"/>
+              <a:t>Stores are more where the distance between house and metro station is less than 1000m</a:t>
+            </a:r>
+          </a:p>
+        </p:txBody>
+      </p:sp>
+      <p:sp>
+        <p:nvSpPr>
+          <p:cNvPr id="3" name="Text Placeholder 2">
+            <a:extLst>
+              <a:ext uri="{FF2B5EF4-FFF2-40B4-BE49-F238E27FC236}">
+                <a16:creationId xmlns:a16="http://schemas.microsoft.com/office/drawing/2014/main" id="{7AD232C9-EBE8-48EC-9AE9-B1C3900DA064}"/>
+              </a:ext>
+            </a:extLst>
+          </p:cNvPr>
+          <p:cNvSpPr>
+            <a:spLocks noGrp="1"/>
+          </p:cNvSpPr>
+          <p:nvPr>
+            <p:ph type="body" idx="1"/>
+          </p:nvPr>
+        </p:nvSpPr>
+        <p:spPr>
+          <a:xfrm>
+            <a:off x="304800" y="1828800"/>
+            <a:ext cx="2743200" cy="2393604"/>
+          </a:xfrm>
+        </p:spPr>
+        <p:txBody>
+          <a:bodyPr vert="horz" wrap="square" lIns="0" tIns="84455" rIns="0" bIns="0" rtlCol="0">
+            <a:spAutoFit/>
+          </a:bodyPr>
+          <a:lstStyle/>
+          <a:p>
+            <a:pPr marL="12700" marR="5080" algn="l" rtl="0">
+              <a:lnSpc>
+                <a:spcPts val="4540"/>
+              </a:lnSpc>
+              <a:spcBef>
+                <a:spcPts val="665"/>
+              </a:spcBef>
+            </a:pPr>
+            <a:r>
+              <a:rPr lang="en-US" sz="4400" kern="1200" spc="-55" dirty="0">
+                <a:solidFill>
+                  <a:srgbClr val="FFFFFF"/>
+                </a:solidFill>
+                <a:latin typeface="Corbel"/>
+              </a:rPr>
+              <a:t>EXPLORA-TORY DATA ANALYSIS</a:t>
+            </a:r>
+          </a:p>
+        </p:txBody>
+      </p:sp>
+      <p:pic>
+        <p:nvPicPr>
+          <p:cNvPr id="4" name="Picture 3">
+            <a:extLst>
+              <a:ext uri="{FF2B5EF4-FFF2-40B4-BE49-F238E27FC236}">
+                <a16:creationId xmlns:a16="http://schemas.microsoft.com/office/drawing/2014/main" id="{CF32EEDF-00C4-49B4-93CD-8BAED0C1B970}"/>
+              </a:ext>
+            </a:extLst>
+          </p:cNvPr>
+          <p:cNvPicPr>
+            <a:picLocks noChangeAspect="1"/>
+          </p:cNvPicPr>
+          <p:nvPr/>
+        </p:nvPicPr>
+        <p:blipFill>
+          <a:blip r:embed="rId2"/>
+          <a:stretch>
+            <a:fillRect/>
+          </a:stretch>
+        </p:blipFill>
+        <p:spPr>
+          <a:xfrm>
+            <a:off x="4148137" y="685800"/>
+            <a:ext cx="6596063" cy="4343400"/>
+          </a:xfrm>
+          <a:prstGeom prst="rect">
+            <a:avLst/>
+          </a:prstGeom>
+        </p:spPr>
+      </p:pic>
+    </p:spTree>
+    <p:extLst>
+      <p:ext uri="{BB962C8B-B14F-4D97-AF65-F5344CB8AC3E}">
+        <p14:creationId xmlns:p14="http://schemas.microsoft.com/office/powerpoint/2010/main" val="1991181417"/>
       </p:ext>
     </p:extLst>
   </p:cSld>
